--- a/Daily Agendas/Day14.1_FieldStrength.pptx
+++ b/Daily Agendas/Day14.1_FieldStrength.pptx
@@ -303,7 +303,7 @@
             <a:fld id="{1D8BD707-D9CF-40AE-B4C6-C98DA3205C09}" type="datetimeFigureOut">
               <a:rPr lang="en-US" smtClean="0"/>
               <a:pPr/>
-              <a:t>12/2/2019</a:t>
+              <a:t>12/3/2019</a:t>
             </a:fld>
             <a:endParaRPr lang="en-US"/>
           </a:p>
@@ -468,7 +468,7 @@
             <a:fld id="{1D8BD707-D9CF-40AE-B4C6-C98DA3205C09}" type="datetimeFigureOut">
               <a:rPr lang="en-US" smtClean="0"/>
               <a:pPr/>
-              <a:t>12/2/2019</a:t>
+              <a:t>12/3/2019</a:t>
             </a:fld>
             <a:endParaRPr lang="en-US"/>
           </a:p>
@@ -643,7 +643,7 @@
             <a:fld id="{1D8BD707-D9CF-40AE-B4C6-C98DA3205C09}" type="datetimeFigureOut">
               <a:rPr lang="en-US" smtClean="0"/>
               <a:pPr/>
-              <a:t>12/2/2019</a:t>
+              <a:t>12/3/2019</a:t>
             </a:fld>
             <a:endParaRPr lang="en-US"/>
           </a:p>
@@ -808,7 +808,7 @@
             <a:fld id="{1D8BD707-D9CF-40AE-B4C6-C98DA3205C09}" type="datetimeFigureOut">
               <a:rPr lang="en-US" smtClean="0"/>
               <a:pPr/>
-              <a:t>12/2/2019</a:t>
+              <a:t>12/3/2019</a:t>
             </a:fld>
             <a:endParaRPr lang="en-US"/>
           </a:p>
@@ -1050,7 +1050,7 @@
             <a:fld id="{1D8BD707-D9CF-40AE-B4C6-C98DA3205C09}" type="datetimeFigureOut">
               <a:rPr lang="en-US" smtClean="0"/>
               <a:pPr/>
-              <a:t>12/2/2019</a:t>
+              <a:t>12/3/2019</a:t>
             </a:fld>
             <a:endParaRPr lang="en-US"/>
           </a:p>
@@ -1332,7 +1332,7 @@
             <a:fld id="{1D8BD707-D9CF-40AE-B4C6-C98DA3205C09}" type="datetimeFigureOut">
               <a:rPr lang="en-US" smtClean="0"/>
               <a:pPr/>
-              <a:t>12/2/2019</a:t>
+              <a:t>12/3/2019</a:t>
             </a:fld>
             <a:endParaRPr lang="en-US"/>
           </a:p>
@@ -1748,7 +1748,7 @@
             <a:fld id="{1D8BD707-D9CF-40AE-B4C6-C98DA3205C09}" type="datetimeFigureOut">
               <a:rPr lang="en-US" smtClean="0"/>
               <a:pPr/>
-              <a:t>12/2/2019</a:t>
+              <a:t>12/3/2019</a:t>
             </a:fld>
             <a:endParaRPr lang="en-US"/>
           </a:p>
@@ -1862,7 +1862,7 @@
             <a:fld id="{1D8BD707-D9CF-40AE-B4C6-C98DA3205C09}" type="datetimeFigureOut">
               <a:rPr lang="en-US" smtClean="0"/>
               <a:pPr/>
-              <a:t>12/2/2019</a:t>
+              <a:t>12/3/2019</a:t>
             </a:fld>
             <a:endParaRPr lang="en-US"/>
           </a:p>
@@ -1954,7 +1954,7 @@
             <a:fld id="{1D8BD707-D9CF-40AE-B4C6-C98DA3205C09}" type="datetimeFigureOut">
               <a:rPr lang="en-US" smtClean="0"/>
               <a:pPr/>
-              <a:t>12/2/2019</a:t>
+              <a:t>12/3/2019</a:t>
             </a:fld>
             <a:endParaRPr lang="en-US"/>
           </a:p>
@@ -2226,7 +2226,7 @@
             <a:fld id="{1D8BD707-D9CF-40AE-B4C6-C98DA3205C09}" type="datetimeFigureOut">
               <a:rPr lang="en-US" smtClean="0"/>
               <a:pPr/>
-              <a:t>12/2/2019</a:t>
+              <a:t>12/3/2019</a:t>
             </a:fld>
             <a:endParaRPr lang="en-US"/>
           </a:p>
@@ -2475,7 +2475,7 @@
             <a:fld id="{1D8BD707-D9CF-40AE-B4C6-C98DA3205C09}" type="datetimeFigureOut">
               <a:rPr lang="en-US" smtClean="0"/>
               <a:pPr/>
-              <a:t>12/2/2019</a:t>
+              <a:t>12/3/2019</a:t>
             </a:fld>
             <a:endParaRPr lang="en-US"/>
           </a:p>
@@ -2683,7 +2683,7 @@
             <a:fld id="{1D8BD707-D9CF-40AE-B4C6-C98DA3205C09}" type="datetimeFigureOut">
               <a:rPr lang="en-US" smtClean="0"/>
               <a:pPr/>
-              <a:t>12/2/2019</a:t>
+              <a:t>12/3/2019</a:t>
             </a:fld>
             <a:endParaRPr lang="en-US"/>
           </a:p>
@@ -3073,10 +3073,14 @@
           <a:p>
             <a:r>
               <a:rPr lang="en-CA" dirty="0" smtClean="0"/>
-              <a:t>Mousetrap Car Testing </a:t>
-            </a:r>
-            <a:r>
-              <a:rPr lang="en-US" dirty="0" smtClean="0"/>
+              <a:t>Gravitational </a:t>
+            </a:r>
+            <a:r>
+              <a:rPr lang="en-CA" smtClean="0"/>
+              <a:t>Field Strength </a:t>
+            </a:r>
+            <a:r>
+              <a:rPr lang="en-US" smtClean="0"/>
               <a:t>– </a:t>
             </a:r>
             <a:r>
@@ -3092,11 +3096,7 @@
             </a:br>
             <a:r>
               <a:rPr lang="en-US" sz="4000" dirty="0" smtClean="0"/>
-              <a:t>(Dynamics Day </a:t>
-            </a:r>
-            <a:r>
-              <a:rPr lang="en-US" sz="4000" dirty="0" smtClean="0"/>
-              <a:t>09)</a:t>
+              <a:t>(Dynamics Day 09)</a:t>
             </a:r>
             <a:endParaRPr lang="en-US" sz="4000" dirty="0"/>
           </a:p>
@@ -3130,7 +3130,6 @@
               <a:rPr lang="en-CA" dirty="0" smtClean="0"/>
               <a:t>Gravitational Field Strength</a:t>
             </a:r>
-            <a:endParaRPr lang="en-CA" dirty="0" smtClean="0"/>
           </a:p>
           <a:p>
             <a:pPr lvl="2"/>
@@ -3138,7 +3137,6 @@
               <a:rPr lang="en-CA" dirty="0" smtClean="0"/>
               <a:t>Discussion: Field Examples</a:t>
             </a:r>
-            <a:endParaRPr lang="en-CA" dirty="0" smtClean="0"/>
           </a:p>
           <a:p>
             <a:pPr lvl="2"/>
@@ -3153,7 +3151,6 @@
               <a:rPr lang="en-CA" dirty="0" smtClean="0"/>
               <a:t>Worksheet: Gravitational Field Strength Problems</a:t>
             </a:r>
-            <a:endParaRPr lang="en-CA" dirty="0" smtClean="0"/>
           </a:p>
           <a:p>
             <a:pPr lvl="1"/>
@@ -3161,15 +3158,17 @@
               <a:rPr lang="en-CA" dirty="0" smtClean="0"/>
               <a:t>Mousetrap Car Race</a:t>
             </a:r>
-            <a:endParaRPr lang="en-CA" dirty="0" smtClean="0"/>
           </a:p>
           <a:p>
             <a:pPr lvl="2"/>
             <a:r>
-              <a:rPr lang="en-CA" dirty="0" smtClean="0"/>
+              <a:rPr lang="en-CA" dirty="0" smtClean="0">
+                <a:solidFill>
+                  <a:srgbClr val="FF0000"/>
+                </a:solidFill>
+              </a:rPr>
               <a:t>Tomorrow</a:t>
             </a:r>
-            <a:endParaRPr lang="en-CA" dirty="0" smtClean="0"/>
           </a:p>
           <a:p>
             <a:pPr lvl="2"/>
@@ -3186,11 +3185,7 @@
             <a:pPr lvl="1"/>
             <a:r>
               <a:rPr lang="en-CA" sz="2400" dirty="0" smtClean="0"/>
-              <a:t>Fri. Dec 6: Mousetrap Car Report </a:t>
-            </a:r>
-            <a:r>
-              <a:rPr lang="en-CA" sz="2400" dirty="0" smtClean="0"/>
-              <a:t>DUE</a:t>
+              <a:t>Fri. Dec 6: Mousetrap Car Report DUE</a:t>
             </a:r>
           </a:p>
           <a:p>
@@ -3203,7 +3198,6 @@
               <a:rPr lang="en-CA" sz="2400" dirty="0" smtClean="0"/>
               <a:t>Quiz: Gravity &amp; Friction</a:t>
             </a:r>
-            <a:endParaRPr lang="en-CA" sz="2400" dirty="0" smtClean="0"/>
           </a:p>
           <a:p>
             <a:pPr lvl="1"/>
